--- a/intro to data lake.pptx
+++ b/intro to data lake.pptx
@@ -220,7 +220,7 @@
           <a:p>
             <a:fld id="{9518FE8D-2DE0-459F-B7AF-223CDD2D6A8F}" type="datetimeFigureOut">
               <a:rPr lang="en-US" smtClean="0"/>
-              <a:t>11/2/2016</a:t>
+              <a:t>11/3/2016</a:t>
             </a:fld>
             <a:endParaRPr lang="en-US"/>
           </a:p>
@@ -385,7 +385,7 @@
           <a:p>
             <a:fld id="{B4AB3519-0107-4220-B210-994F89BE6A0C}" type="datetimeFigureOut">
               <a:rPr lang="en-US" smtClean="0"/>
-              <a:t>11/2/2016</a:t>
+              <a:t>11/3/2016</a:t>
             </a:fld>
             <a:endParaRPr lang="en-US"/>
           </a:p>
@@ -721,9 +721,10 @@
               <a:buChar char="-"/>
             </a:pPr>
             <a:r>
-              <a:rPr lang="en-US" baseline="0" dirty="0"/>
-              <a:t>No pre-supposed schema or format</a:t>
-            </a:r>
+              <a:rPr lang="en-US" baseline="0" dirty="0" err="1"/>
+              <a:t>Hyperscale</a:t>
+            </a:r>
+            <a:endParaRPr lang="en-US" baseline="0" dirty="0"/>
           </a:p>
           <a:p>
             <a:pPr marL="171450" indent="-171450">
@@ -732,7 +733,7 @@
             </a:pPr>
             <a:r>
               <a:rPr lang="en-US" baseline="0" dirty="0"/>
-              <a:t>Raw form</a:t>
+              <a:t>No pre-supposed schema or format</a:t>
             </a:r>
           </a:p>
           <a:p>
@@ -742,7 +743,7 @@
             </a:pPr>
             <a:r>
               <a:rPr lang="en-US" baseline="0" dirty="0"/>
-              <a:t>Transformed</a:t>
+              <a:t>Raw or transformed data</a:t>
             </a:r>
           </a:p>
           <a:p>
@@ -751,8 +752,12 @@
               <a:buChar char="-"/>
             </a:pPr>
             <a:r>
+              <a:rPr lang="en-US" baseline="0"/>
+              <a:t>Some </a:t>
+            </a:r>
+            <a:r>
               <a:rPr lang="en-US" baseline="0" dirty="0"/>
-              <a:t>Some products also allow federation of external data (logical vs. physical store)</a:t>
+              <a:t>products also allow federation of external data (logical vs. physical store)</a:t>
             </a:r>
             <a:endParaRPr lang="en-US" dirty="0"/>
           </a:p>
@@ -2414,7 +2419,7 @@
             <a:fld id="{B01F9CA3-105E-4857-9057-6DB6197DA786}" type="datetimeFigureOut">
               <a:rPr lang="en-US" smtClean="0"/>
               <a:pPr/>
-              <a:t>11/2/2016</a:t>
+              <a:t>11/3/2016</a:t>
             </a:fld>
             <a:endParaRPr lang="en-US"/>
           </a:p>
@@ -2623,7 +2628,7 @@
             <a:fld id="{B01F9CA3-105E-4857-9057-6DB6197DA786}" type="datetimeFigureOut">
               <a:rPr lang="en-US" smtClean="0"/>
               <a:pPr/>
-              <a:t>11/2/2016</a:t>
+              <a:t>11/3/2016</a:t>
             </a:fld>
             <a:endParaRPr lang="en-US"/>
           </a:p>
@@ -3267,7 +3272,7 @@
             <a:fld id="{B01F9CA3-105E-4857-9057-6DB6197DA786}" type="datetimeFigureOut">
               <a:rPr lang="en-US" smtClean="0"/>
               <a:pPr/>
-              <a:t>11/2/2016</a:t>
+              <a:t>11/3/2016</a:t>
             </a:fld>
             <a:endParaRPr lang="en-US"/>
           </a:p>
@@ -4574,7 +4579,7 @@
             <a:fld id="{B01F9CA3-105E-4857-9057-6DB6197DA786}" type="datetimeFigureOut">
               <a:rPr lang="en-US" smtClean="0"/>
               <a:pPr/>
-              <a:t>11/2/2016</a:t>
+              <a:t>11/3/2016</a:t>
             </a:fld>
             <a:endParaRPr lang="en-US"/>
           </a:p>
@@ -4868,7 +4873,7 @@
             <a:fld id="{B01F9CA3-105E-4857-9057-6DB6197DA786}" type="datetimeFigureOut">
               <a:rPr lang="en-US" smtClean="0"/>
               <a:pPr/>
-              <a:t>11/2/2016</a:t>
+              <a:t>11/3/2016</a:t>
             </a:fld>
             <a:endParaRPr lang="en-US"/>
           </a:p>
@@ -5156,7 +5161,7 @@
             <a:fld id="{B01F9CA3-105E-4857-9057-6DB6197DA786}" type="datetimeFigureOut">
               <a:rPr lang="en-US" smtClean="0"/>
               <a:pPr/>
-              <a:t>11/2/2016</a:t>
+              <a:t>11/3/2016</a:t>
             </a:fld>
             <a:endParaRPr lang="en-US"/>
           </a:p>
@@ -5350,7 +5355,7 @@
             <a:fld id="{B01F9CA3-105E-4857-9057-6DB6197DA786}" type="datetimeFigureOut">
               <a:rPr lang="en-US" smtClean="0"/>
               <a:pPr/>
-              <a:t>11/2/2016</a:t>
+              <a:t>11/3/2016</a:t>
             </a:fld>
             <a:endParaRPr lang="en-US"/>
           </a:p>
@@ -5527,7 +5532,7 @@
             <a:fld id="{B01F9CA3-105E-4857-9057-6DB6197DA786}" type="datetimeFigureOut">
               <a:rPr lang="en-US" smtClean="0"/>
               <a:pPr/>
-              <a:t>11/2/2016</a:t>
+              <a:t>11/3/2016</a:t>
             </a:fld>
             <a:endParaRPr lang="en-US"/>
           </a:p>
@@ -5687,7 +5692,7 @@
             <a:fld id="{B01F9CA3-105E-4857-9057-6DB6197DA786}" type="datetimeFigureOut">
               <a:rPr lang="en-US" smtClean="0"/>
               <a:pPr/>
-              <a:t>11/2/2016</a:t>
+              <a:t>11/3/2016</a:t>
             </a:fld>
             <a:endParaRPr lang="en-US"/>
           </a:p>
@@ -5847,7 +5852,7 @@
             <a:fld id="{B01F9CA3-105E-4857-9057-6DB6197DA786}" type="datetimeFigureOut">
               <a:rPr lang="en-US" smtClean="0"/>
               <a:pPr/>
-              <a:t>11/2/2016</a:t>
+              <a:t>11/3/2016</a:t>
             </a:fld>
             <a:endParaRPr lang="en-US"/>
           </a:p>
@@ -6096,7 +6101,7 @@
             <a:fld id="{B01F9CA3-105E-4857-9057-6DB6197DA786}" type="datetimeFigureOut">
               <a:rPr lang="en-US" smtClean="0"/>
               <a:pPr/>
-              <a:t>11/2/2016</a:t>
+              <a:t>11/3/2016</a:t>
             </a:fld>
             <a:endParaRPr lang="en-US"/>
           </a:p>
@@ -6334,7 +6339,7 @@
             <a:fld id="{B01F9CA3-105E-4857-9057-6DB6197DA786}" type="datetimeFigureOut">
               <a:rPr lang="en-US" smtClean="0"/>
               <a:pPr/>
-              <a:t>11/2/2016</a:t>
+              <a:t>11/3/2016</a:t>
             </a:fld>
             <a:endParaRPr lang="en-US"/>
           </a:p>
@@ -6976,7 +6981,7 @@
             <a:fld id="{B01F9CA3-105E-4857-9057-6DB6197DA786}" type="datetimeFigureOut">
               <a:rPr lang="en-US" smtClean="0"/>
               <a:pPr/>
-              <a:t>11/2/2016</a:t>
+              <a:t>11/3/2016</a:t>
             </a:fld>
             <a:endParaRPr lang="en-US"/>
           </a:p>
@@ -13707,6 +13712,29 @@
 </file>
 
 <file path=customXml/item1.xml><?xml version="1.0" encoding="utf-8"?>
+<p:properties xmlns:p="http://schemas.microsoft.com/office/2006/metadata/properties" xmlns:xsi="http://www.w3.org/2001/XMLSchema-instance" xmlns:pc="http://schemas.microsoft.com/office/infopath/2007/PartnerControls">
+  <documentManagement>
+    <SharedWithUsers xmlns="ae9bb8cf-6fd7-4373-9802-0818a1bad213">
+      <UserInfo>
+        <DisplayName/>
+        <AccountId xsi:nil="true"/>
+        <AccountType/>
+      </UserInfo>
+    </SharedWithUsers>
+  </documentManagement>
+</p:properties>
+</file>
+
+<file path=customXml/item2.xml><?xml version="1.0" encoding="utf-8"?>
+<?mso-contentType ?>
+<FormTemplates xmlns="http://schemas.microsoft.com/sharepoint/v3/contenttype/forms">
+  <Display>DocumentLibraryForm</Display>
+  <Edit>DocumentLibraryForm</Edit>
+  <New>DocumentLibraryForm</New>
+</FormTemplates>
+</file>
+
+<file path=customXml/item3.xml><?xml version="1.0" encoding="utf-8"?>
 <ct:contentTypeSchema xmlns:ct="http://schemas.microsoft.com/office/2006/metadata/contentType" xmlns:ma="http://schemas.microsoft.com/office/2006/metadata/properties/metaAttributes" ct:_="" ma:_="" ma:contentTypeName="Document" ma:contentTypeID="0x010100927910E0FC5AD641A0EC2F677DA00462" ma:contentTypeVersion="3" ma:contentTypeDescription="Create a new document." ma:contentTypeScope="" ma:versionID="76b62c445233cce25a0ca0e041f71723">
   <xsd:schema xmlns:xsd="http://www.w3.org/2001/XMLSchema" xmlns:xs="http://www.w3.org/2001/XMLSchema" xmlns:p="http://schemas.microsoft.com/office/2006/metadata/properties" xmlns:ns2="ae9bb8cf-6fd7-4373-9802-0818a1bad213" targetNamespace="http://schemas.microsoft.com/office/2006/metadata/properties" ma:root="true" ma:fieldsID="c52ecd0cdc1072d582e1a9eee67584ac" ns2:_="">
     <xsd:import namespace="ae9bb8cf-6fd7-4373-9802-0818a1bad213"/>
@@ -13860,30 +13888,31 @@
 </ct:contentTypeSchema>
 </file>
 
-<file path=customXml/item2.xml><?xml version="1.0" encoding="utf-8"?>
-<?mso-contentType ?>
-<FormTemplates xmlns="http://schemas.microsoft.com/sharepoint/v3/contenttype/forms">
-  <Display>DocumentLibraryForm</Display>
-  <Edit>DocumentLibraryForm</Edit>
-  <New>DocumentLibraryForm</New>
-</FormTemplates>
+<file path=customXml/itemProps1.xml><?xml version="1.0" encoding="utf-8"?>
+<ds:datastoreItem xmlns:ds="http://schemas.openxmlformats.org/officeDocument/2006/customXml" ds:itemID="{D71FDF29-0AD6-4557-9F7B-A2E3FD5905AB}">
+  <ds:schemaRefs>
+    <ds:schemaRef ds:uri="http://purl.org/dc/elements/1.1/"/>
+    <ds:schemaRef ds:uri="http://schemas.openxmlformats.org/package/2006/metadata/core-properties"/>
+    <ds:schemaRef ds:uri="http://schemas.microsoft.com/office/2006/documentManagement/types"/>
+    <ds:schemaRef ds:uri="ae9bb8cf-6fd7-4373-9802-0818a1bad213"/>
+    <ds:schemaRef ds:uri="http://purl.org/dc/terms/"/>
+    <ds:schemaRef ds:uri="http://purl.org/dc/dcmitype/"/>
+    <ds:schemaRef ds:uri="http://schemas.microsoft.com/office/2006/metadata/properties"/>
+    <ds:schemaRef ds:uri="http://schemas.microsoft.com/office/infopath/2007/PartnerControls"/>
+    <ds:schemaRef ds:uri="http://www.w3.org/XML/1998/namespace"/>
+  </ds:schemaRefs>
+</ds:datastoreItem>
 </file>
 
-<file path=customXml/item3.xml><?xml version="1.0" encoding="utf-8"?>
-<p:properties xmlns:p="http://schemas.microsoft.com/office/2006/metadata/properties" xmlns:xsi="http://www.w3.org/2001/XMLSchema-instance" xmlns:pc="http://schemas.microsoft.com/office/infopath/2007/PartnerControls">
-  <documentManagement>
-    <SharedWithUsers xmlns="ae9bb8cf-6fd7-4373-9802-0818a1bad213">
-      <UserInfo>
-        <DisplayName/>
-        <AccountId xsi:nil="true"/>
-        <AccountType/>
-      </UserInfo>
-    </SharedWithUsers>
-  </documentManagement>
-</p:properties>
+<file path=customXml/itemProps2.xml><?xml version="1.0" encoding="utf-8"?>
+<ds:datastoreItem xmlns:ds="http://schemas.openxmlformats.org/officeDocument/2006/customXml" ds:itemID="{F2A83536-3E53-4F69-BB7F-3EA6454D8BE5}">
+  <ds:schemaRefs>
+    <ds:schemaRef ds:uri="http://schemas.microsoft.com/sharepoint/v3/contenttype/forms"/>
+  </ds:schemaRefs>
+</ds:datastoreItem>
 </file>
 
-<file path=customXml/itemProps1.xml><?xml version="1.0" encoding="utf-8"?>
+<file path=customXml/itemProps3.xml><?xml version="1.0" encoding="utf-8"?>
 <ds:datastoreItem xmlns:ds="http://schemas.openxmlformats.org/officeDocument/2006/customXml" ds:itemID="{81750145-700B-4D98-8754-188B0DA4FB5B}">
   <ds:schemaRefs>
     <ds:schemaRef ds:uri="http://schemas.microsoft.com/office/2006/metadata/contentType"/>
@@ -13899,28 +13928,4 @@
     <ds:schemaRef ds:uri="http://schemas.microsoft.com/internal/obd"/>
   </ds:schemaRefs>
 </ds:datastoreItem>
-</file>
-
-<file path=customXml/itemProps2.xml><?xml version="1.0" encoding="utf-8"?>
-<ds:datastoreItem xmlns:ds="http://schemas.openxmlformats.org/officeDocument/2006/customXml" ds:itemID="{F2A83536-3E53-4F69-BB7F-3EA6454D8BE5}">
-  <ds:schemaRefs>
-    <ds:schemaRef ds:uri="http://schemas.microsoft.com/sharepoint/v3/contenttype/forms"/>
-  </ds:schemaRefs>
-</ds:datastoreItem>
-</file>
-
-<file path=customXml/itemProps3.xml><?xml version="1.0" encoding="utf-8"?>
-<ds:datastoreItem xmlns:ds="http://schemas.openxmlformats.org/officeDocument/2006/customXml" ds:itemID="{D71FDF29-0AD6-4557-9F7B-A2E3FD5905AB}">
-  <ds:schemaRefs>
-    <ds:schemaRef ds:uri="http://purl.org/dc/elements/1.1/"/>
-    <ds:schemaRef ds:uri="http://schemas.openxmlformats.org/package/2006/metadata/core-properties"/>
-    <ds:schemaRef ds:uri="http://schemas.microsoft.com/office/2006/documentManagement/types"/>
-    <ds:schemaRef ds:uri="ae9bb8cf-6fd7-4373-9802-0818a1bad213"/>
-    <ds:schemaRef ds:uri="http://purl.org/dc/terms/"/>
-    <ds:schemaRef ds:uri="http://purl.org/dc/dcmitype/"/>
-    <ds:schemaRef ds:uri="http://schemas.microsoft.com/office/2006/metadata/properties"/>
-    <ds:schemaRef ds:uri="http://schemas.microsoft.com/office/infopath/2007/PartnerControls"/>
-    <ds:schemaRef ds:uri="http://www.w3.org/XML/1998/namespace"/>
-  </ds:schemaRefs>
-</ds:datastoreItem>
 </file>